--- a/Final_Project_Files/FINAL_PROJECT_CARDATA.pptx
+++ b/Final_Project_Files/FINAL_PROJECT_CARDATA.pptx
@@ -181,7 +181,7 @@
           <a:noFill/>
           <a:extLst>
             <a:ext uri="{909E8E84-426E-40dd-AFC4-6F175D3DCCD1}">
-              <a14:hiddenFill xmlns="" xmlns:a14="http://schemas.microsoft.com/office/drawing/2010/main">
+              <a14:hiddenFill xmlns:a14="http://schemas.microsoft.com/office/drawing/2010/main" xmlns="">
                 <a:solidFill>
                   <a:srgbClr val="FFFFFF"/>
                 </a:solidFill>
@@ -241,7 +241,7 @@
             </a:ln>
             <a:extLst>
               <a:ext uri="{91240B29-F687-4f45-9708-019B960494DF}">
-                <a14:hiddenLine xmlns="" xmlns:a14="http://schemas.microsoft.com/office/drawing/2010/main" w="9525">
+                <a14:hiddenLine xmlns:a14="http://schemas.microsoft.com/office/drawing/2010/main" xmlns="" w="9525">
                   <a:solidFill>
                     <a:srgbClr val="000000"/>
                   </a:solidFill>
@@ -331,7 +331,7 @@
             </a:ln>
             <a:extLst>
               <a:ext uri="{91240B29-F687-4f45-9708-019B960494DF}">
-                <a14:hiddenLine xmlns="" xmlns:a14="http://schemas.microsoft.com/office/drawing/2010/main" w="9525">
+                <a14:hiddenLine xmlns:a14="http://schemas.microsoft.com/office/drawing/2010/main" xmlns="" w="9525">
                   <a:solidFill>
                     <a:srgbClr val="000000"/>
                   </a:solidFill>
@@ -421,7 +421,7 @@
             </a:ln>
             <a:extLst>
               <a:ext uri="{91240B29-F687-4f45-9708-019B960494DF}">
-                <a14:hiddenLine xmlns="" xmlns:a14="http://schemas.microsoft.com/office/drawing/2010/main" w="9525">
+                <a14:hiddenLine xmlns:a14="http://schemas.microsoft.com/office/drawing/2010/main" xmlns="" w="9525">
                   <a:solidFill>
                     <a:srgbClr val="000000"/>
                   </a:solidFill>
@@ -455,7 +455,7 @@
             </a:ln>
             <a:extLst>
               <a:ext uri="{91240B29-F687-4f45-9708-019B960494DF}">
-                <a14:hiddenLine xmlns="" xmlns:a14="http://schemas.microsoft.com/office/drawing/2010/main" w="9525">
+                <a14:hiddenLine xmlns:a14="http://schemas.microsoft.com/office/drawing/2010/main" xmlns="" w="9525">
                   <a:solidFill>
                     <a:srgbClr val="000000"/>
                   </a:solidFill>
@@ -545,7 +545,7 @@
             </a:ln>
             <a:extLst>
               <a:ext uri="{91240B29-F687-4f45-9708-019B960494DF}">
-                <a14:hiddenLine xmlns="" xmlns:a14="http://schemas.microsoft.com/office/drawing/2010/main" w="9525">
+                <a14:hiddenLine xmlns:a14="http://schemas.microsoft.com/office/drawing/2010/main" xmlns="" w="9525">
                   <a:solidFill>
                     <a:srgbClr val="000000"/>
                   </a:solidFill>
@@ -607,7 +607,7 @@
             </a:ln>
             <a:extLst>
               <a:ext uri="{91240B29-F687-4f45-9708-019B960494DF}">
-                <a14:hiddenLine xmlns="" xmlns:a14="http://schemas.microsoft.com/office/drawing/2010/main" w="9525">
+                <a14:hiddenLine xmlns:a14="http://schemas.microsoft.com/office/drawing/2010/main" xmlns="" w="9525">
                   <a:solidFill>
                     <a:srgbClr val="000000"/>
                   </a:solidFill>
@@ -669,7 +669,7 @@
             </a:ln>
             <a:extLst>
               <a:ext uri="{91240B29-F687-4f45-9708-019B960494DF}">
-                <a14:hiddenLine xmlns="" xmlns:a14="http://schemas.microsoft.com/office/drawing/2010/main" w="9525">
+                <a14:hiddenLine xmlns:a14="http://schemas.microsoft.com/office/drawing/2010/main" xmlns="" w="9525">
                   <a:solidFill>
                     <a:srgbClr val="000000"/>
                   </a:solidFill>
@@ -759,7 +759,7 @@
             </a:ln>
             <a:extLst>
               <a:ext uri="{91240B29-F687-4f45-9708-019B960494DF}">
-                <a14:hiddenLine xmlns="" xmlns:a14="http://schemas.microsoft.com/office/drawing/2010/main" w="9525">
+                <a14:hiddenLine xmlns:a14="http://schemas.microsoft.com/office/drawing/2010/main" xmlns="" w="9525">
                   <a:solidFill>
                     <a:srgbClr val="000000"/>
                   </a:solidFill>
@@ -821,7 +821,7 @@
             </a:ln>
             <a:extLst>
               <a:ext uri="{91240B29-F687-4f45-9708-019B960494DF}">
-                <a14:hiddenLine xmlns="" xmlns:a14="http://schemas.microsoft.com/office/drawing/2010/main" w="9525">
+                <a14:hiddenLine xmlns:a14="http://schemas.microsoft.com/office/drawing/2010/main" xmlns="" w="9525">
                   <a:solidFill>
                     <a:srgbClr val="000000"/>
                   </a:solidFill>
@@ -883,7 +883,7 @@
             </a:ln>
             <a:extLst>
               <a:ext uri="{91240B29-F687-4f45-9708-019B960494DF}">
-                <a14:hiddenLine xmlns="" xmlns:a14="http://schemas.microsoft.com/office/drawing/2010/main" w="9525">
+                <a14:hiddenLine xmlns:a14="http://schemas.microsoft.com/office/drawing/2010/main" xmlns="" w="9525">
                   <a:solidFill>
                     <a:srgbClr val="000000"/>
                   </a:solidFill>
@@ -973,7 +973,7 @@
             </a:ln>
             <a:extLst>
               <a:ext uri="{91240B29-F687-4f45-9708-019B960494DF}">
-                <a14:hiddenLine xmlns="" xmlns:a14="http://schemas.microsoft.com/office/drawing/2010/main" w="9525">
+                <a14:hiddenLine xmlns:a14="http://schemas.microsoft.com/office/drawing/2010/main" xmlns="" w="9525">
                   <a:solidFill>
                     <a:srgbClr val="000000"/>
                   </a:solidFill>
@@ -1063,7 +1063,7 @@
             </a:ln>
             <a:extLst>
               <a:ext uri="{91240B29-F687-4f45-9708-019B960494DF}">
-                <a14:hiddenLine xmlns="" xmlns:a14="http://schemas.microsoft.com/office/drawing/2010/main" w="9525">
+                <a14:hiddenLine xmlns:a14="http://schemas.microsoft.com/office/drawing/2010/main" xmlns="" w="9525">
                   <a:solidFill>
                     <a:srgbClr val="000000"/>
                   </a:solidFill>
@@ -1125,7 +1125,7 @@
             </a:ln>
             <a:extLst>
               <a:ext uri="{91240B29-F687-4f45-9708-019B960494DF}">
-                <a14:hiddenLine xmlns="" xmlns:a14="http://schemas.microsoft.com/office/drawing/2010/main" w="9525">
+                <a14:hiddenLine xmlns:a14="http://schemas.microsoft.com/office/drawing/2010/main" xmlns="" w="9525">
                   <a:solidFill>
                     <a:srgbClr val="000000"/>
                   </a:solidFill>
@@ -1235,7 +1235,7 @@
             </a:ln>
             <a:extLst>
               <a:ext uri="{91240B29-F687-4f45-9708-019B960494DF}">
-                <a14:hiddenLine xmlns="" xmlns:a14="http://schemas.microsoft.com/office/drawing/2010/main" w="9525">
+                <a14:hiddenLine xmlns:a14="http://schemas.microsoft.com/office/drawing/2010/main" xmlns="" w="9525">
                   <a:solidFill>
                     <a:srgbClr val="000000"/>
                   </a:solidFill>
@@ -1297,7 +1297,7 @@
             </a:ln>
             <a:extLst>
               <a:ext uri="{91240B29-F687-4f45-9708-019B960494DF}">
-                <a14:hiddenLine xmlns="" xmlns:a14="http://schemas.microsoft.com/office/drawing/2010/main" w="9525">
+                <a14:hiddenLine xmlns:a14="http://schemas.microsoft.com/office/drawing/2010/main" xmlns="" w="9525">
                   <a:solidFill>
                     <a:srgbClr val="000000"/>
                   </a:solidFill>
@@ -1387,7 +1387,7 @@
             </a:ln>
             <a:extLst>
               <a:ext uri="{91240B29-F687-4f45-9708-019B960494DF}">
-                <a14:hiddenLine xmlns="" xmlns:a14="http://schemas.microsoft.com/office/drawing/2010/main" w="9525">
+                <a14:hiddenLine xmlns:a14="http://schemas.microsoft.com/office/drawing/2010/main" xmlns="" w="9525">
                   <a:solidFill>
                     <a:srgbClr val="000000"/>
                   </a:solidFill>
@@ -1477,7 +1477,7 @@
             </a:ln>
             <a:extLst>
               <a:ext uri="{91240B29-F687-4f45-9708-019B960494DF}">
-                <a14:hiddenLine xmlns="" xmlns:a14="http://schemas.microsoft.com/office/drawing/2010/main" w="9525">
+                <a14:hiddenLine xmlns:a14="http://schemas.microsoft.com/office/drawing/2010/main" xmlns="" w="9525">
                   <a:solidFill>
                     <a:srgbClr val="000000"/>
                   </a:solidFill>
@@ -1539,7 +1539,7 @@
             </a:ln>
             <a:extLst>
               <a:ext uri="{91240B29-F687-4f45-9708-019B960494DF}">
-                <a14:hiddenLine xmlns="" xmlns:a14="http://schemas.microsoft.com/office/drawing/2010/main" w="9525">
+                <a14:hiddenLine xmlns:a14="http://schemas.microsoft.com/office/drawing/2010/main" xmlns="" w="9525">
                   <a:solidFill>
                     <a:srgbClr val="000000"/>
                   </a:solidFill>
@@ -1629,7 +1629,7 @@
             </a:ln>
             <a:extLst>
               <a:ext uri="{91240B29-F687-4f45-9708-019B960494DF}">
-                <a14:hiddenLine xmlns="" xmlns:a14="http://schemas.microsoft.com/office/drawing/2010/main" w="9525">
+                <a14:hiddenLine xmlns:a14="http://schemas.microsoft.com/office/drawing/2010/main" xmlns="" w="9525">
                   <a:solidFill>
                     <a:srgbClr val="000000"/>
                   </a:solidFill>
@@ -1719,7 +1719,7 @@
             </a:ln>
             <a:extLst>
               <a:ext uri="{91240B29-F687-4f45-9708-019B960494DF}">
-                <a14:hiddenLine xmlns="" xmlns:a14="http://schemas.microsoft.com/office/drawing/2010/main" w="9525">
+                <a14:hiddenLine xmlns:a14="http://schemas.microsoft.com/office/drawing/2010/main" xmlns="" w="9525">
                   <a:solidFill>
                     <a:srgbClr val="000000"/>
                   </a:solidFill>
@@ -1775,7 +1775,7 @@
             </a:ln>
             <a:extLst>
               <a:ext uri="{91240B29-F687-4f45-9708-019B960494DF}">
-                <a14:hiddenLine xmlns="" xmlns:a14="http://schemas.microsoft.com/office/drawing/2010/main" w="9525">
+                <a14:hiddenLine xmlns:a14="http://schemas.microsoft.com/office/drawing/2010/main" xmlns="" w="9525">
                   <a:solidFill>
                     <a:srgbClr val="000000"/>
                   </a:solidFill>
@@ -1865,7 +1865,7 @@
             </a:ln>
             <a:extLst>
               <a:ext uri="{91240B29-F687-4f45-9708-019B960494DF}">
-                <a14:hiddenLine xmlns="" xmlns:a14="http://schemas.microsoft.com/office/drawing/2010/main" w="9525">
+                <a14:hiddenLine xmlns:a14="http://schemas.microsoft.com/office/drawing/2010/main" xmlns="" w="9525">
                   <a:solidFill>
                     <a:srgbClr val="000000"/>
                   </a:solidFill>
@@ -1921,7 +1921,7 @@
             </a:ln>
             <a:extLst>
               <a:ext uri="{91240B29-F687-4f45-9708-019B960494DF}">
-                <a14:hiddenLine xmlns="" xmlns:a14="http://schemas.microsoft.com/office/drawing/2010/main" w="9525">
+                <a14:hiddenLine xmlns:a14="http://schemas.microsoft.com/office/drawing/2010/main" xmlns="" w="9525">
                   <a:solidFill>
                     <a:srgbClr val="000000"/>
                   </a:solidFill>
@@ -2011,7 +2011,7 @@
             </a:ln>
             <a:extLst>
               <a:ext uri="{91240B29-F687-4f45-9708-019B960494DF}">
-                <a14:hiddenLine xmlns="" xmlns:a14="http://schemas.microsoft.com/office/drawing/2010/main" w="9525">
+                <a14:hiddenLine xmlns:a14="http://schemas.microsoft.com/office/drawing/2010/main" xmlns="" w="9525">
                   <a:solidFill>
                     <a:srgbClr val="000000"/>
                   </a:solidFill>
@@ -2079,7 +2079,7 @@
             </a:ln>
             <a:extLst>
               <a:ext uri="{91240B29-F687-4f45-9708-019B960494DF}">
-                <a14:hiddenLine xmlns="" xmlns:a14="http://schemas.microsoft.com/office/drawing/2010/main" w="9525">
+                <a14:hiddenLine xmlns:a14="http://schemas.microsoft.com/office/drawing/2010/main" xmlns="" w="9525">
                   <a:solidFill>
                     <a:srgbClr val="000000"/>
                   </a:solidFill>
@@ -2169,7 +2169,7 @@
             </a:ln>
             <a:extLst>
               <a:ext uri="{91240B29-F687-4f45-9708-019B960494DF}">
-                <a14:hiddenLine xmlns="" xmlns:a14="http://schemas.microsoft.com/office/drawing/2010/main" w="9525">
+                <a14:hiddenLine xmlns:a14="http://schemas.microsoft.com/office/drawing/2010/main" xmlns="" w="9525">
                   <a:solidFill>
                     <a:srgbClr val="000000"/>
                   </a:solidFill>
@@ -2237,7 +2237,7 @@
             </a:ln>
             <a:extLst>
               <a:ext uri="{91240B29-F687-4f45-9708-019B960494DF}">
-                <a14:hiddenLine xmlns="" xmlns:a14="http://schemas.microsoft.com/office/drawing/2010/main" w="9525">
+                <a14:hiddenLine xmlns:a14="http://schemas.microsoft.com/office/drawing/2010/main" xmlns="" w="9525">
                   <a:solidFill>
                     <a:srgbClr val="000000"/>
                   </a:solidFill>
@@ -2327,7 +2327,7 @@
             </a:ln>
             <a:extLst>
               <a:ext uri="{91240B29-F687-4f45-9708-019B960494DF}">
-                <a14:hiddenLine xmlns="" xmlns:a14="http://schemas.microsoft.com/office/drawing/2010/main" w="9525">
+                <a14:hiddenLine xmlns:a14="http://schemas.microsoft.com/office/drawing/2010/main" xmlns="" w="9525">
                   <a:solidFill>
                     <a:srgbClr val="000000"/>
                   </a:solidFill>
@@ -2361,7 +2361,7 @@
             </a:ln>
             <a:extLst>
               <a:ext uri="{91240B29-F687-4f45-9708-019B960494DF}">
-                <a14:hiddenLine xmlns="" xmlns:a14="http://schemas.microsoft.com/office/drawing/2010/main" w="9525">
+                <a14:hiddenLine xmlns:a14="http://schemas.microsoft.com/office/drawing/2010/main" xmlns="" w="9525">
                   <a:solidFill>
                     <a:srgbClr val="000000"/>
                   </a:solidFill>
@@ -2451,7 +2451,7 @@
             </a:ln>
             <a:extLst>
               <a:ext uri="{91240B29-F687-4f45-9708-019B960494DF}">
-                <a14:hiddenLine xmlns="" xmlns:a14="http://schemas.microsoft.com/office/drawing/2010/main" w="9525">
+                <a14:hiddenLine xmlns:a14="http://schemas.microsoft.com/office/drawing/2010/main" xmlns="" w="9525">
                   <a:solidFill>
                     <a:srgbClr val="000000"/>
                   </a:solidFill>
@@ -2513,7 +2513,7 @@
             </a:ln>
             <a:extLst>
               <a:ext uri="{91240B29-F687-4f45-9708-019B960494DF}">
-                <a14:hiddenLine xmlns="" xmlns:a14="http://schemas.microsoft.com/office/drawing/2010/main" w="9525">
+                <a14:hiddenLine xmlns:a14="http://schemas.microsoft.com/office/drawing/2010/main" xmlns="" w="9525">
                   <a:solidFill>
                     <a:srgbClr val="000000"/>
                   </a:solidFill>
@@ -2575,7 +2575,7 @@
             </a:ln>
             <a:extLst>
               <a:ext uri="{91240B29-F687-4f45-9708-019B960494DF}">
-                <a14:hiddenLine xmlns="" xmlns:a14="http://schemas.microsoft.com/office/drawing/2010/main" w="9525">
+                <a14:hiddenLine xmlns:a14="http://schemas.microsoft.com/office/drawing/2010/main" xmlns="" w="9525">
                   <a:solidFill>
                     <a:srgbClr val="000000"/>
                   </a:solidFill>
@@ -2665,7 +2665,7 @@
             </a:ln>
             <a:extLst>
               <a:ext uri="{91240B29-F687-4f45-9708-019B960494DF}">
-                <a14:hiddenLine xmlns="" xmlns:a14="http://schemas.microsoft.com/office/drawing/2010/main" w="9525">
+                <a14:hiddenLine xmlns:a14="http://schemas.microsoft.com/office/drawing/2010/main" xmlns="" w="9525">
                   <a:solidFill>
                     <a:srgbClr val="000000"/>
                   </a:solidFill>
@@ -2733,7 +2733,7 @@
             </a:ln>
             <a:extLst>
               <a:ext uri="{91240B29-F687-4f45-9708-019B960494DF}">
-                <a14:hiddenLine xmlns="" xmlns:a14="http://schemas.microsoft.com/office/drawing/2010/main" w="9525">
+                <a14:hiddenLine xmlns:a14="http://schemas.microsoft.com/office/drawing/2010/main" xmlns="" w="9525">
                   <a:solidFill>
                     <a:srgbClr val="000000"/>
                   </a:solidFill>
@@ -2795,7 +2795,7 @@
             </a:ln>
             <a:extLst>
               <a:ext uri="{91240B29-F687-4f45-9708-019B960494DF}">
-                <a14:hiddenLine xmlns="" xmlns:a14="http://schemas.microsoft.com/office/drawing/2010/main" w="9525">
+                <a14:hiddenLine xmlns:a14="http://schemas.microsoft.com/office/drawing/2010/main" xmlns="" w="9525">
                   <a:solidFill>
                     <a:srgbClr val="000000"/>
                   </a:solidFill>
@@ -2885,7 +2885,7 @@
             </a:ln>
             <a:extLst>
               <a:ext uri="{91240B29-F687-4f45-9708-019B960494DF}">
-                <a14:hiddenLine xmlns="" xmlns:a14="http://schemas.microsoft.com/office/drawing/2010/main" w="9525">
+                <a14:hiddenLine xmlns:a14="http://schemas.microsoft.com/office/drawing/2010/main" xmlns="" w="9525">
                   <a:solidFill>
                     <a:srgbClr val="000000"/>
                   </a:solidFill>
@@ -2947,7 +2947,7 @@
             </a:ln>
             <a:extLst>
               <a:ext uri="{91240B29-F687-4f45-9708-019B960494DF}">
-                <a14:hiddenLine xmlns="" xmlns:a14="http://schemas.microsoft.com/office/drawing/2010/main" w="9525">
+                <a14:hiddenLine xmlns:a14="http://schemas.microsoft.com/office/drawing/2010/main" xmlns="" w="9525">
                   <a:solidFill>
                     <a:srgbClr val="000000"/>
                   </a:solidFill>
@@ -3037,7 +3037,7 @@
             </a:ln>
             <a:extLst>
               <a:ext uri="{91240B29-F687-4f45-9708-019B960494DF}">
-                <a14:hiddenLine xmlns="" xmlns:a14="http://schemas.microsoft.com/office/drawing/2010/main" w="9525">
+                <a14:hiddenLine xmlns:a14="http://schemas.microsoft.com/office/drawing/2010/main" xmlns="" w="9525">
                   <a:solidFill>
                     <a:srgbClr val="000000"/>
                   </a:solidFill>
@@ -3099,7 +3099,7 @@
             </a:ln>
             <a:extLst>
               <a:ext uri="{91240B29-F687-4f45-9708-019B960494DF}">
-                <a14:hiddenLine xmlns="" xmlns:a14="http://schemas.microsoft.com/office/drawing/2010/main" w="9525">
+                <a14:hiddenLine xmlns:a14="http://schemas.microsoft.com/office/drawing/2010/main" xmlns="" w="9525">
                   <a:solidFill>
                     <a:srgbClr val="000000"/>
                   </a:solidFill>
@@ -3189,7 +3189,7 @@
             </a:ln>
             <a:extLst>
               <a:ext uri="{91240B29-F687-4f45-9708-019B960494DF}">
-                <a14:hiddenLine xmlns="" xmlns:a14="http://schemas.microsoft.com/office/drawing/2010/main" w="9525">
+                <a14:hiddenLine xmlns:a14="http://schemas.microsoft.com/office/drawing/2010/main" xmlns="" w="9525">
                   <a:solidFill>
                     <a:srgbClr val="000000"/>
                   </a:solidFill>
@@ -3223,7 +3223,7 @@
             </a:ln>
             <a:extLst>
               <a:ext uri="{91240B29-F687-4f45-9708-019B960494DF}">
-                <a14:hiddenLine xmlns="" xmlns:a14="http://schemas.microsoft.com/office/drawing/2010/main" w="9525">
+                <a14:hiddenLine xmlns:a14="http://schemas.microsoft.com/office/drawing/2010/main" xmlns="" w="9525">
                   <a:solidFill>
                     <a:srgbClr val="000000"/>
                   </a:solidFill>
@@ -3288,7 +3288,7 @@
             </a:ln>
             <a:extLst>
               <a:ext uri="{91240B29-F687-4f45-9708-019B960494DF}">
-                <a14:hiddenLine xmlns="" xmlns:a14="http://schemas.microsoft.com/office/drawing/2010/main" w="9525">
+                <a14:hiddenLine xmlns:a14="http://schemas.microsoft.com/office/drawing/2010/main" xmlns="" w="9525">
                   <a:solidFill>
                     <a:srgbClr val="000000"/>
                   </a:solidFill>
@@ -3378,7 +3378,7 @@
             </a:ln>
             <a:extLst>
               <a:ext uri="{91240B29-F687-4f45-9708-019B960494DF}">
-                <a14:hiddenLine xmlns="" xmlns:a14="http://schemas.microsoft.com/office/drawing/2010/main" w="9525">
+                <a14:hiddenLine xmlns:a14="http://schemas.microsoft.com/office/drawing/2010/main" xmlns="" w="9525">
                   <a:solidFill>
                     <a:srgbClr val="000000"/>
                   </a:solidFill>
@@ -3440,7 +3440,7 @@
             </a:ln>
             <a:extLst>
               <a:ext uri="{91240B29-F687-4f45-9708-019B960494DF}">
-                <a14:hiddenLine xmlns="" xmlns:a14="http://schemas.microsoft.com/office/drawing/2010/main" w="9525">
+                <a14:hiddenLine xmlns:a14="http://schemas.microsoft.com/office/drawing/2010/main" xmlns="" w="9525">
                   <a:solidFill>
                     <a:srgbClr val="000000"/>
                   </a:solidFill>
@@ -3530,7 +3530,7 @@
             </a:ln>
             <a:extLst>
               <a:ext uri="{91240B29-F687-4f45-9708-019B960494DF}">
-                <a14:hiddenLine xmlns="" xmlns:a14="http://schemas.microsoft.com/office/drawing/2010/main" w="9525">
+                <a14:hiddenLine xmlns:a14="http://schemas.microsoft.com/office/drawing/2010/main" xmlns="" w="9525">
                   <a:solidFill>
                     <a:srgbClr val="000000"/>
                   </a:solidFill>
@@ -3620,7 +3620,7 @@
             </a:ln>
             <a:extLst>
               <a:ext uri="{91240B29-F687-4f45-9708-019B960494DF}">
-                <a14:hiddenLine xmlns="" xmlns:a14="http://schemas.microsoft.com/office/drawing/2010/main" w="9525">
+                <a14:hiddenLine xmlns:a14="http://schemas.microsoft.com/office/drawing/2010/main" xmlns="" w="9525">
                   <a:solidFill>
                     <a:srgbClr val="000000"/>
                   </a:solidFill>
@@ -3685,7 +3685,7 @@
             </a:ln>
             <a:extLst>
               <a:ext uri="{91240B29-F687-4f45-9708-019B960494DF}">
-                <a14:hiddenLine xmlns="" xmlns:a14="http://schemas.microsoft.com/office/drawing/2010/main" w="9525">
+                <a14:hiddenLine xmlns:a14="http://schemas.microsoft.com/office/drawing/2010/main" xmlns="" w="9525">
                   <a:solidFill>
                     <a:srgbClr val="000000"/>
                   </a:solidFill>
@@ -3747,7 +3747,7 @@
             </a:ln>
             <a:extLst>
               <a:ext uri="{91240B29-F687-4f45-9708-019B960494DF}">
-                <a14:hiddenLine xmlns="" xmlns:a14="http://schemas.microsoft.com/office/drawing/2010/main" w="9525">
+                <a14:hiddenLine xmlns:a14="http://schemas.microsoft.com/office/drawing/2010/main" xmlns="" w="9525">
                   <a:solidFill>
                     <a:srgbClr val="000000"/>
                   </a:solidFill>
@@ -3837,7 +3837,7 @@
             </a:ln>
             <a:extLst>
               <a:ext uri="{91240B29-F687-4f45-9708-019B960494DF}">
-                <a14:hiddenLine xmlns="" xmlns:a14="http://schemas.microsoft.com/office/drawing/2010/main" w="9525">
+                <a14:hiddenLine xmlns:a14="http://schemas.microsoft.com/office/drawing/2010/main" xmlns="" w="9525">
                   <a:solidFill>
                     <a:srgbClr val="000000"/>
                   </a:solidFill>
@@ -3927,7 +3927,7 @@
             </a:ln>
             <a:extLst>
               <a:ext uri="{91240B29-F687-4f45-9708-019B960494DF}">
-                <a14:hiddenLine xmlns="" xmlns:a14="http://schemas.microsoft.com/office/drawing/2010/main" w="9525">
+                <a14:hiddenLine xmlns:a14="http://schemas.microsoft.com/office/drawing/2010/main" xmlns="" w="9525">
                   <a:solidFill>
                     <a:srgbClr val="000000"/>
                   </a:solidFill>
@@ -3989,7 +3989,7 @@
             </a:ln>
             <a:extLst>
               <a:ext uri="{91240B29-F687-4f45-9708-019B960494DF}">
-                <a14:hiddenLine xmlns="" xmlns:a14="http://schemas.microsoft.com/office/drawing/2010/main" w="9525">
+                <a14:hiddenLine xmlns:a14="http://schemas.microsoft.com/office/drawing/2010/main" xmlns="" w="9525">
                   <a:solidFill>
                     <a:srgbClr val="000000"/>
                   </a:solidFill>
@@ -4109,7 +4109,7 @@
             </a:ln>
             <a:extLst>
               <a:ext uri="{91240B29-F687-4f45-9708-019B960494DF}">
-                <a14:hiddenLine xmlns="" xmlns:a14="http://schemas.microsoft.com/office/drawing/2010/main" w="9525">
+                <a14:hiddenLine xmlns:a14="http://schemas.microsoft.com/office/drawing/2010/main" xmlns="" w="9525">
                   <a:solidFill>
                     <a:srgbClr val="000000"/>
                   </a:solidFill>
@@ -4177,7 +4177,7 @@
             </a:ln>
             <a:extLst>
               <a:ext uri="{91240B29-F687-4f45-9708-019B960494DF}">
-                <a14:hiddenLine xmlns="" xmlns:a14="http://schemas.microsoft.com/office/drawing/2010/main" w="9525">
+                <a14:hiddenLine xmlns:a14="http://schemas.microsoft.com/office/drawing/2010/main" xmlns="" w="9525">
                   <a:solidFill>
                     <a:srgbClr val="000000"/>
                   </a:solidFill>
@@ -4267,7 +4267,7 @@
             </a:ln>
             <a:extLst>
               <a:ext uri="{91240B29-F687-4f45-9708-019B960494DF}">
-                <a14:hiddenLine xmlns="" xmlns:a14="http://schemas.microsoft.com/office/drawing/2010/main" w="9525">
+                <a14:hiddenLine xmlns:a14="http://schemas.microsoft.com/office/drawing/2010/main" xmlns="" w="9525">
                   <a:solidFill>
                     <a:srgbClr val="000000"/>
                   </a:solidFill>
@@ -4407,7 +4407,7 @@
           <a:p>
             <a:fld id="{48A87A34-81AB-432B-8DAE-1953F412C126}" type="datetimeFigureOut">
               <a:rPr lang="en-US" dirty="0"/>
-              <a:t>5/15/2020</a:t>
+              <a:t>5/16/2020</a:t>
             </a:fld>
             <a:endParaRPr lang="en-US" dirty="0"/>
           </a:p>
@@ -4668,7 +4668,7 @@
           <a:p>
             <a:fld id="{48A87A34-81AB-432B-8DAE-1953F412C126}" type="datetimeFigureOut">
               <a:rPr lang="en-US" dirty="0"/>
-              <a:t>5/15/2020</a:t>
+              <a:t>5/16/2020</a:t>
             </a:fld>
             <a:endParaRPr lang="en-US" dirty="0"/>
           </a:p>
@@ -4859,7 +4859,7 @@
           <a:p>
             <a:fld id="{48A87A34-81AB-432B-8DAE-1953F412C126}" type="datetimeFigureOut">
               <a:rPr lang="en-US" dirty="0"/>
-              <a:t>5/15/2020</a:t>
+              <a:t>5/16/2020</a:t>
             </a:fld>
             <a:endParaRPr lang="en-US" dirty="0"/>
           </a:p>
@@ -5117,7 +5117,7 @@
           <a:p>
             <a:fld id="{48A87A34-81AB-432B-8DAE-1953F412C126}" type="datetimeFigureOut">
               <a:rPr lang="en-US" dirty="0"/>
-              <a:t>5/15/2020</a:t>
+              <a:t>5/16/2020</a:t>
             </a:fld>
             <a:endParaRPr lang="en-US" dirty="0"/>
           </a:p>
@@ -5546,7 +5546,7 @@
           <a:p>
             <a:fld id="{48A87A34-81AB-432B-8DAE-1953F412C126}" type="datetimeFigureOut">
               <a:rPr lang="en-US" dirty="0"/>
-              <a:t>5/15/2020</a:t>
+              <a:t>5/16/2020</a:t>
             </a:fld>
             <a:endParaRPr lang="en-US" dirty="0"/>
           </a:p>
@@ -6087,7 +6087,7 @@
           <a:p>
             <a:fld id="{48A87A34-81AB-432B-8DAE-1953F412C126}" type="datetimeFigureOut">
               <a:rPr lang="en-US" dirty="0"/>
-              <a:t>5/15/2020</a:t>
+              <a:t>5/16/2020</a:t>
             </a:fld>
             <a:endParaRPr lang="en-US" dirty="0"/>
           </a:p>
@@ -6799,7 +6799,7 @@
           <a:p>
             <a:fld id="{48A87A34-81AB-432B-8DAE-1953F412C126}" type="datetimeFigureOut">
               <a:rPr lang="en-US" dirty="0"/>
-              <a:t>5/15/2020</a:t>
+              <a:t>5/16/2020</a:t>
             </a:fld>
             <a:endParaRPr lang="en-US" dirty="0"/>
           </a:p>
@@ -6964,7 +6964,7 @@
           <a:p>
             <a:fld id="{48A87A34-81AB-432B-8DAE-1953F412C126}" type="datetimeFigureOut">
               <a:rPr lang="en-US" dirty="0"/>
-              <a:t>5/15/2020</a:t>
+              <a:t>5/16/2020</a:t>
             </a:fld>
             <a:endParaRPr lang="en-US" dirty="0"/>
           </a:p>
@@ -7139,7 +7139,7 @@
           <a:p>
             <a:fld id="{48A87A34-81AB-432B-8DAE-1953F412C126}" type="datetimeFigureOut">
               <a:rPr lang="en-US" dirty="0"/>
-              <a:t>5/15/2020</a:t>
+              <a:t>5/16/2020</a:t>
             </a:fld>
             <a:endParaRPr lang="en-US" dirty="0"/>
           </a:p>
@@ -7304,7 +7304,7 @@
           <a:p>
             <a:fld id="{48A87A34-81AB-432B-8DAE-1953F412C126}" type="datetimeFigureOut">
               <a:rPr lang="en-US" dirty="0"/>
-              <a:t>5/15/2020</a:t>
+              <a:t>5/16/2020</a:t>
             </a:fld>
             <a:endParaRPr lang="en-US" dirty="0"/>
           </a:p>
@@ -7549,7 +7549,7 @@
           <a:p>
             <a:fld id="{48A87A34-81AB-432B-8DAE-1953F412C126}" type="datetimeFigureOut">
               <a:rPr lang="en-US" dirty="0"/>
-              <a:t>5/15/2020</a:t>
+              <a:t>5/16/2020</a:t>
             </a:fld>
             <a:endParaRPr lang="en-US" dirty="0"/>
           </a:p>
@@ -7776,7 +7776,7 @@
           <a:p>
             <a:fld id="{48A87A34-81AB-432B-8DAE-1953F412C126}" type="datetimeFigureOut">
               <a:rPr lang="en-US" dirty="0"/>
-              <a:t>5/15/2020</a:t>
+              <a:t>5/16/2020</a:t>
             </a:fld>
             <a:endParaRPr lang="en-US" dirty="0"/>
           </a:p>
@@ -8152,7 +8152,7 @@
           <a:p>
             <a:fld id="{48A87A34-81AB-432B-8DAE-1953F412C126}" type="datetimeFigureOut">
               <a:rPr lang="en-US" dirty="0"/>
-              <a:t>5/15/2020</a:t>
+              <a:t>5/16/2020</a:t>
             </a:fld>
             <a:endParaRPr lang="en-US" dirty="0"/>
           </a:p>
@@ -8265,7 +8265,7 @@
           <a:p>
             <a:fld id="{48A87A34-81AB-432B-8DAE-1953F412C126}" type="datetimeFigureOut">
               <a:rPr lang="en-US" dirty="0"/>
-              <a:t>5/15/2020</a:t>
+              <a:t>5/16/2020</a:t>
             </a:fld>
             <a:endParaRPr lang="en-US" dirty="0"/>
           </a:p>
@@ -8355,7 +8355,7 @@
           <a:p>
             <a:fld id="{48A87A34-81AB-432B-8DAE-1953F412C126}" type="datetimeFigureOut">
               <a:rPr lang="en-US" dirty="0"/>
-              <a:t>5/15/2020</a:t>
+              <a:t>5/16/2020</a:t>
             </a:fld>
             <a:endParaRPr lang="en-US" dirty="0"/>
           </a:p>
@@ -8599,7 +8599,7 @@
           <a:p>
             <a:fld id="{48A87A34-81AB-432B-8DAE-1953F412C126}" type="datetimeFigureOut">
               <a:rPr lang="en-US" dirty="0"/>
-              <a:t>5/15/2020</a:t>
+              <a:t>5/16/2020</a:t>
             </a:fld>
             <a:endParaRPr lang="en-US" dirty="0"/>
           </a:p>
@@ -8873,7 +8873,7 @@
           <a:p>
             <a:fld id="{48A87A34-81AB-432B-8DAE-1953F412C126}" type="datetimeFigureOut">
               <a:rPr lang="en-US" dirty="0"/>
-              <a:t>5/15/2020</a:t>
+              <a:t>5/16/2020</a:t>
             </a:fld>
             <a:endParaRPr lang="en-US" dirty="0"/>
           </a:p>
@@ -8991,7 +8991,7 @@
           <a:noFill/>
           <a:extLst>
             <a:ext uri="{909E8E84-426E-40dd-AFC4-6F175D3DCCD1}">
-              <a14:hiddenFill xmlns="" xmlns:a14="http://schemas.microsoft.com/office/drawing/2010/main">
+              <a14:hiddenFill xmlns:a14="http://schemas.microsoft.com/office/drawing/2010/main" xmlns="">
                 <a:solidFill>
                   <a:srgbClr val="FFFFFF"/>
                 </a:solidFill>
@@ -9065,7 +9065,7 @@
               </a:ln>
               <a:extLst>
                 <a:ext uri="{91240B29-F687-4f45-9708-019B960494DF}">
-                  <a14:hiddenLine xmlns="" xmlns:a14="http://schemas.microsoft.com/office/drawing/2010/main" w="9525">
+                  <a14:hiddenLine xmlns:a14="http://schemas.microsoft.com/office/drawing/2010/main" xmlns="" w="9525">
                     <a:solidFill>
                       <a:srgbClr val="000000"/>
                     </a:solidFill>
@@ -9155,7 +9155,7 @@
               </a:ln>
               <a:extLst>
                 <a:ext uri="{91240B29-F687-4f45-9708-019B960494DF}">
-                  <a14:hiddenLine xmlns="" xmlns:a14="http://schemas.microsoft.com/office/drawing/2010/main" w="9525">
+                  <a14:hiddenLine xmlns:a14="http://schemas.microsoft.com/office/drawing/2010/main" xmlns="" w="9525">
                     <a:solidFill>
                       <a:srgbClr val="000000"/>
                     </a:solidFill>
@@ -9245,7 +9245,7 @@
               </a:ln>
               <a:extLst>
                 <a:ext uri="{91240B29-F687-4f45-9708-019B960494DF}">
-                  <a14:hiddenLine xmlns="" xmlns:a14="http://schemas.microsoft.com/office/drawing/2010/main" w="9525">
+                  <a14:hiddenLine xmlns:a14="http://schemas.microsoft.com/office/drawing/2010/main" xmlns="" w="9525">
                     <a:solidFill>
                       <a:srgbClr val="000000"/>
                     </a:solidFill>
@@ -9307,7 +9307,7 @@
               </a:ln>
               <a:extLst>
                 <a:ext uri="{91240B29-F687-4f45-9708-019B960494DF}">
-                  <a14:hiddenLine xmlns="" xmlns:a14="http://schemas.microsoft.com/office/drawing/2010/main" w="9525">
+                  <a14:hiddenLine xmlns:a14="http://schemas.microsoft.com/office/drawing/2010/main" xmlns="" w="9525">
                     <a:solidFill>
                       <a:srgbClr val="000000"/>
                     </a:solidFill>
@@ -9397,7 +9397,7 @@
               </a:ln>
               <a:extLst>
                 <a:ext uri="{91240B29-F687-4f45-9708-019B960494DF}">
-                  <a14:hiddenLine xmlns="" xmlns:a14="http://schemas.microsoft.com/office/drawing/2010/main" w="9525">
+                  <a14:hiddenLine xmlns:a14="http://schemas.microsoft.com/office/drawing/2010/main" xmlns="" w="9525">
                     <a:solidFill>
                       <a:srgbClr val="000000"/>
                     </a:solidFill>
@@ -9459,7 +9459,7 @@
               </a:ln>
               <a:extLst>
                 <a:ext uri="{91240B29-F687-4f45-9708-019B960494DF}">
-                  <a14:hiddenLine xmlns="" xmlns:a14="http://schemas.microsoft.com/office/drawing/2010/main" w="9525">
+                  <a14:hiddenLine xmlns:a14="http://schemas.microsoft.com/office/drawing/2010/main" xmlns="" w="9525">
                     <a:solidFill>
                       <a:srgbClr val="000000"/>
                     </a:solidFill>
@@ -9521,7 +9521,7 @@
               </a:ln>
               <a:extLst>
                 <a:ext uri="{91240B29-F687-4f45-9708-019B960494DF}">
-                  <a14:hiddenLine xmlns="" xmlns:a14="http://schemas.microsoft.com/office/drawing/2010/main" w="9525">
+                  <a14:hiddenLine xmlns:a14="http://schemas.microsoft.com/office/drawing/2010/main" xmlns="" w="9525">
                     <a:solidFill>
                       <a:srgbClr val="000000"/>
                     </a:solidFill>
@@ -9611,7 +9611,7 @@
               </a:ln>
               <a:extLst>
                 <a:ext uri="{91240B29-F687-4f45-9708-019B960494DF}">
-                  <a14:hiddenLine xmlns="" xmlns:a14="http://schemas.microsoft.com/office/drawing/2010/main" w="9525">
+                  <a14:hiddenLine xmlns:a14="http://schemas.microsoft.com/office/drawing/2010/main" xmlns="" w="9525">
                     <a:solidFill>
                       <a:srgbClr val="000000"/>
                     </a:solidFill>
@@ -9701,7 +9701,7 @@
               </a:ln>
               <a:extLst>
                 <a:ext uri="{91240B29-F687-4f45-9708-019B960494DF}">
-                  <a14:hiddenLine xmlns="" xmlns:a14="http://schemas.microsoft.com/office/drawing/2010/main" w="9525">
+                  <a14:hiddenLine xmlns:a14="http://schemas.microsoft.com/office/drawing/2010/main" xmlns="" w="9525">
                     <a:solidFill>
                       <a:srgbClr val="000000"/>
                     </a:solidFill>
@@ -9763,7 +9763,7 @@
               </a:ln>
               <a:extLst>
                 <a:ext uri="{91240B29-F687-4f45-9708-019B960494DF}">
-                  <a14:hiddenLine xmlns="" xmlns:a14="http://schemas.microsoft.com/office/drawing/2010/main" w="9525">
+                  <a14:hiddenLine xmlns:a14="http://schemas.microsoft.com/office/drawing/2010/main" xmlns="" w="9525">
                     <a:solidFill>
                       <a:srgbClr val="000000"/>
                     </a:solidFill>
@@ -9873,7 +9873,7 @@
               </a:ln>
               <a:extLst>
                 <a:ext uri="{91240B29-F687-4f45-9708-019B960494DF}">
-                  <a14:hiddenLine xmlns="" xmlns:a14="http://schemas.microsoft.com/office/drawing/2010/main" w="9525">
+                  <a14:hiddenLine xmlns:a14="http://schemas.microsoft.com/office/drawing/2010/main" xmlns="" w="9525">
                     <a:solidFill>
                       <a:srgbClr val="000000"/>
                     </a:solidFill>
@@ -9957,7 +9957,7 @@
               </a:ln>
               <a:extLst>
                 <a:ext uri="{91240B29-F687-4f45-9708-019B960494DF}">
-                  <a14:hiddenLine xmlns="" xmlns:a14="http://schemas.microsoft.com/office/drawing/2010/main" w="9525">
+                  <a14:hiddenLine xmlns:a14="http://schemas.microsoft.com/office/drawing/2010/main" xmlns="" w="9525">
                     <a:solidFill>
                       <a:srgbClr val="000000"/>
                     </a:solidFill>
@@ -10019,7 +10019,7 @@
               </a:ln>
               <a:extLst>
                 <a:ext uri="{91240B29-F687-4f45-9708-019B960494DF}">
-                  <a14:hiddenLine xmlns="" xmlns:a14="http://schemas.microsoft.com/office/drawing/2010/main" w="9525">
+                  <a14:hiddenLine xmlns:a14="http://schemas.microsoft.com/office/drawing/2010/main" xmlns="" w="9525">
                     <a:solidFill>
                       <a:srgbClr val="000000"/>
                     </a:solidFill>
@@ -10081,7 +10081,7 @@
               </a:ln>
               <a:extLst>
                 <a:ext uri="{91240B29-F687-4f45-9708-019B960494DF}">
-                  <a14:hiddenLine xmlns="" xmlns:a14="http://schemas.microsoft.com/office/drawing/2010/main" w="9525">
+                  <a14:hiddenLine xmlns:a14="http://schemas.microsoft.com/office/drawing/2010/main" xmlns="" w="9525">
                     <a:solidFill>
                       <a:srgbClr val="000000"/>
                     </a:solidFill>
@@ -10171,7 +10171,7 @@
               </a:ln>
               <a:extLst>
                 <a:ext uri="{91240B29-F687-4f45-9708-019B960494DF}">
-                  <a14:hiddenLine xmlns="" xmlns:a14="http://schemas.microsoft.com/office/drawing/2010/main" w="9525">
+                  <a14:hiddenLine xmlns:a14="http://schemas.microsoft.com/office/drawing/2010/main" xmlns="" w="9525">
                     <a:solidFill>
                       <a:srgbClr val="000000"/>
                     </a:solidFill>
@@ -10205,7 +10205,7 @@
               </a:ln>
               <a:extLst>
                 <a:ext uri="{91240B29-F687-4f45-9708-019B960494DF}">
-                  <a14:hiddenLine xmlns="" xmlns:a14="http://schemas.microsoft.com/office/drawing/2010/main" w="9525">
+                  <a14:hiddenLine xmlns:a14="http://schemas.microsoft.com/office/drawing/2010/main" xmlns="" w="9525">
                     <a:solidFill>
                       <a:srgbClr val="000000"/>
                     </a:solidFill>
@@ -10270,7 +10270,7 @@
               </a:ln>
               <a:extLst>
                 <a:ext uri="{91240B29-F687-4f45-9708-019B960494DF}">
-                  <a14:hiddenLine xmlns="" xmlns:a14="http://schemas.microsoft.com/office/drawing/2010/main" w="9525">
+                  <a14:hiddenLine xmlns:a14="http://schemas.microsoft.com/office/drawing/2010/main" xmlns="" w="9525">
                     <a:solidFill>
                       <a:srgbClr val="000000"/>
                     </a:solidFill>
@@ -10360,7 +10360,7 @@
               </a:ln>
               <a:extLst>
                 <a:ext uri="{91240B29-F687-4f45-9708-019B960494DF}">
-                  <a14:hiddenLine xmlns="" xmlns:a14="http://schemas.microsoft.com/office/drawing/2010/main" w="9525">
+                  <a14:hiddenLine xmlns:a14="http://schemas.microsoft.com/office/drawing/2010/main" xmlns="" w="9525">
                     <a:solidFill>
                       <a:srgbClr val="000000"/>
                     </a:solidFill>
@@ -10422,7 +10422,7 @@
               </a:ln>
               <a:extLst>
                 <a:ext uri="{91240B29-F687-4f45-9708-019B960494DF}">
-                  <a14:hiddenLine xmlns="" xmlns:a14="http://schemas.microsoft.com/office/drawing/2010/main" w="9525">
+                  <a14:hiddenLine xmlns:a14="http://schemas.microsoft.com/office/drawing/2010/main" xmlns="" w="9525">
                     <a:solidFill>
                       <a:srgbClr val="000000"/>
                     </a:solidFill>
@@ -10512,7 +10512,7 @@
               </a:ln>
               <a:extLst>
                 <a:ext uri="{91240B29-F687-4f45-9708-019B960494DF}">
-                  <a14:hiddenLine xmlns="" xmlns:a14="http://schemas.microsoft.com/office/drawing/2010/main" w="9525">
+                  <a14:hiddenLine xmlns:a14="http://schemas.microsoft.com/office/drawing/2010/main" xmlns="" w="9525">
                     <a:solidFill>
                       <a:srgbClr val="000000"/>
                     </a:solidFill>
@@ -10577,7 +10577,7 @@
               </a:ln>
               <a:extLst>
                 <a:ext uri="{91240B29-F687-4f45-9708-019B960494DF}">
-                  <a14:hiddenLine xmlns="" xmlns:a14="http://schemas.microsoft.com/office/drawing/2010/main" w="9525">
+                  <a14:hiddenLine xmlns:a14="http://schemas.microsoft.com/office/drawing/2010/main" xmlns="" w="9525">
                     <a:solidFill>
                       <a:srgbClr val="000000"/>
                     </a:solidFill>
@@ -10639,7 +10639,7 @@
               </a:ln>
               <a:extLst>
                 <a:ext uri="{91240B29-F687-4f45-9708-019B960494DF}">
-                  <a14:hiddenLine xmlns="" xmlns:a14="http://schemas.microsoft.com/office/drawing/2010/main" w="9525">
+                  <a14:hiddenLine xmlns:a14="http://schemas.microsoft.com/office/drawing/2010/main" xmlns="" w="9525">
                     <a:solidFill>
                       <a:srgbClr val="000000"/>
                     </a:solidFill>
@@ -10729,7 +10729,7 @@
               </a:ln>
               <a:extLst>
                 <a:ext uri="{91240B29-F687-4f45-9708-019B960494DF}">
-                  <a14:hiddenLine xmlns="" xmlns:a14="http://schemas.microsoft.com/office/drawing/2010/main" w="9525">
+                  <a14:hiddenLine xmlns:a14="http://schemas.microsoft.com/office/drawing/2010/main" xmlns="" w="9525">
                     <a:solidFill>
                       <a:srgbClr val="000000"/>
                     </a:solidFill>
@@ -10819,7 +10819,7 @@
               </a:ln>
               <a:extLst>
                 <a:ext uri="{91240B29-F687-4f45-9708-019B960494DF}">
-                  <a14:hiddenLine xmlns="" xmlns:a14="http://schemas.microsoft.com/office/drawing/2010/main" w="9525">
+                  <a14:hiddenLine xmlns:a14="http://schemas.microsoft.com/office/drawing/2010/main" xmlns="" w="9525">
                     <a:solidFill>
                       <a:srgbClr val="000000"/>
                     </a:solidFill>
@@ -10884,7 +10884,7 @@
               </a:ln>
               <a:extLst>
                 <a:ext uri="{91240B29-F687-4f45-9708-019B960494DF}">
-                  <a14:hiddenLine xmlns="" xmlns:a14="http://schemas.microsoft.com/office/drawing/2010/main" w="9525">
+                  <a14:hiddenLine xmlns:a14="http://schemas.microsoft.com/office/drawing/2010/main" xmlns="" w="9525">
                     <a:solidFill>
                       <a:srgbClr val="000000"/>
                     </a:solidFill>
@@ -11004,7 +11004,7 @@
               </a:ln>
               <a:extLst>
                 <a:ext uri="{91240B29-F687-4f45-9708-019B960494DF}">
-                  <a14:hiddenLine xmlns="" xmlns:a14="http://schemas.microsoft.com/office/drawing/2010/main" w="9525">
+                  <a14:hiddenLine xmlns:a14="http://schemas.microsoft.com/office/drawing/2010/main" xmlns="" w="9525">
                     <a:solidFill>
                       <a:srgbClr val="000000"/>
                     </a:solidFill>
@@ -11102,7 +11102,7 @@
               </a:ln>
               <a:extLst>
                 <a:ext uri="{91240B29-F687-4f45-9708-019B960494DF}">
-                  <a14:hiddenLine xmlns="" xmlns:a14="http://schemas.microsoft.com/office/drawing/2010/main" w="9525">
+                  <a14:hiddenLine xmlns:a14="http://schemas.microsoft.com/office/drawing/2010/main" xmlns="" w="9525">
                     <a:solidFill>
                       <a:srgbClr val="000000"/>
                     </a:solidFill>
@@ -11217,7 +11217,7 @@
               </a:ln>
               <a:extLst>
                 <a:ext uri="{91240B29-F687-4f45-9708-019B960494DF}">
-                  <a14:hiddenLine xmlns="" xmlns:a14="http://schemas.microsoft.com/office/drawing/2010/main" w="9525">
+                  <a14:hiddenLine xmlns:a14="http://schemas.microsoft.com/office/drawing/2010/main" xmlns="" w="9525">
                     <a:solidFill>
                       <a:srgbClr val="000000"/>
                     </a:solidFill>
@@ -11307,7 +11307,7 @@
               </a:ln>
               <a:extLst>
                 <a:ext uri="{91240B29-F687-4f45-9708-019B960494DF}">
-                  <a14:hiddenLine xmlns="" xmlns:a14="http://schemas.microsoft.com/office/drawing/2010/main" w="9525">
+                  <a14:hiddenLine xmlns:a14="http://schemas.microsoft.com/office/drawing/2010/main" xmlns="" w="9525">
                     <a:solidFill>
                       <a:srgbClr val="000000"/>
                     </a:solidFill>
@@ -11372,7 +11372,7 @@
               </a:ln>
               <a:extLst>
                 <a:ext uri="{91240B29-F687-4f45-9708-019B960494DF}">
-                  <a14:hiddenLine xmlns="" xmlns:a14="http://schemas.microsoft.com/office/drawing/2010/main" w="9525">
+                  <a14:hiddenLine xmlns:a14="http://schemas.microsoft.com/office/drawing/2010/main" xmlns="" w="9525">
                     <a:solidFill>
                       <a:srgbClr val="000000"/>
                     </a:solidFill>
@@ -11462,7 +11462,7 @@
               </a:ln>
               <a:extLst>
                 <a:ext uri="{91240B29-F687-4f45-9708-019B960494DF}">
-                  <a14:hiddenLine xmlns="" xmlns:a14="http://schemas.microsoft.com/office/drawing/2010/main" w="9525">
+                  <a14:hiddenLine xmlns:a14="http://schemas.microsoft.com/office/drawing/2010/main" xmlns="" w="9525">
                     <a:solidFill>
                       <a:srgbClr val="000000"/>
                     </a:solidFill>
@@ -11530,7 +11530,7 @@
               </a:ln>
               <a:extLst>
                 <a:ext uri="{91240B29-F687-4f45-9708-019B960494DF}">
-                  <a14:hiddenLine xmlns="" xmlns:a14="http://schemas.microsoft.com/office/drawing/2010/main" w="9525">
+                  <a14:hiddenLine xmlns:a14="http://schemas.microsoft.com/office/drawing/2010/main" xmlns="" w="9525">
                     <a:solidFill>
                       <a:srgbClr val="000000"/>
                     </a:solidFill>
@@ -11620,7 +11620,7 @@
               </a:ln>
               <a:extLst>
                 <a:ext uri="{91240B29-F687-4f45-9708-019B960494DF}">
-                  <a14:hiddenLine xmlns="" xmlns:a14="http://schemas.microsoft.com/office/drawing/2010/main" w="9525">
+                  <a14:hiddenLine xmlns:a14="http://schemas.microsoft.com/office/drawing/2010/main" xmlns="" w="9525">
                     <a:solidFill>
                       <a:srgbClr val="000000"/>
                     </a:solidFill>
@@ -11688,7 +11688,7 @@
               </a:ln>
               <a:extLst>
                 <a:ext uri="{91240B29-F687-4f45-9708-019B960494DF}">
-                  <a14:hiddenLine xmlns="" xmlns:a14="http://schemas.microsoft.com/office/drawing/2010/main" w="9525">
+                  <a14:hiddenLine xmlns:a14="http://schemas.microsoft.com/office/drawing/2010/main" xmlns="" w="9525">
                     <a:solidFill>
                       <a:srgbClr val="000000"/>
                     </a:solidFill>
@@ -11778,7 +11778,7 @@
               </a:ln>
               <a:extLst>
                 <a:ext uri="{91240B29-F687-4f45-9708-019B960494DF}">
-                  <a14:hiddenLine xmlns="" xmlns:a14="http://schemas.microsoft.com/office/drawing/2010/main" w="9525">
+                  <a14:hiddenLine xmlns:a14="http://schemas.microsoft.com/office/drawing/2010/main" xmlns="" w="9525">
                     <a:solidFill>
                       <a:srgbClr val="000000"/>
                     </a:solidFill>
@@ -11812,7 +11812,7 @@
               </a:ln>
               <a:extLst>
                 <a:ext uri="{91240B29-F687-4f45-9708-019B960494DF}">
-                  <a14:hiddenLine xmlns="" xmlns:a14="http://schemas.microsoft.com/office/drawing/2010/main" w="9525">
+                  <a14:hiddenLine xmlns:a14="http://schemas.microsoft.com/office/drawing/2010/main" xmlns="" w="9525">
                     <a:solidFill>
                       <a:srgbClr val="000000"/>
                     </a:solidFill>
@@ -11953,7 +11953,7 @@
             <a:fld id="{48A87A34-81AB-432B-8DAE-1953F412C126}" type="datetimeFigureOut">
               <a:rPr lang="en-US" dirty="0"/>
               <a:pPr/>
-              <a:t>5/15/2020</a:t>
+              <a:t>5/16/2020</a:t>
             </a:fld>
             <a:endParaRPr lang="en-US" dirty="0"/>
           </a:p>
@@ -13031,7 +13031,7 @@
         <p:spPr>
           <a:xfrm>
             <a:off x="830179" y="1888958"/>
-            <a:ext cx="3489158" cy="3693319"/>
+            <a:ext cx="3489158" cy="2862322"/>
           </a:xfrm>
           <a:prstGeom prst="rect">
             <a:avLst/>
@@ -13060,7 +13060,7 @@
             </a:pPr>
             <a:r>
               <a:rPr lang="en-US" dirty="0"/>
-              <a:t>KNEIGHBORS WAS ABLE TO PREDICT WHAT CATEGORIES BELONG TO WHAT CLASS 85% ACCURACY</a:t>
+              <a:t>KNEIGHBORS WAS ABLE TO PREDICT WHAT CATEGORIES BELONG TO WHAT CLASS 85% ACCURACY (WORKED BEST WITH CATEGORICAL DATA)</a:t>
             </a:r>
           </a:p>
           <a:p>
@@ -13077,25 +13077,8 @@
             </a:pPr>
             <a:r>
               <a:rPr lang="en-US" dirty="0"/>
-              <a:t>THIS TYPE OF DATA DOES NOT WORK WELL WITH LINEARREGRESSION MODEL</a:t>
+              <a:t>LINEARREGRESSION MODEL PRODUCED BETTER RESULTS</a:t>
             </a:r>
-          </a:p>
-          <a:p>
-            <a:pPr marL="285750" indent="-285750">
-              <a:buFont typeface="Courier New" panose="02070309020205020404" pitchFamily="49" charset="0"/>
-              <a:buChar char="o"/>
-            </a:pPr>
-            <a:r>
-              <a:rPr lang="en-US" dirty="0"/>
-              <a:t>PRODUCED INCONCLUSIVE RESULTS</a:t>
-            </a:r>
-          </a:p>
-          <a:p>
-            <a:pPr marL="285750" indent="-285750">
-              <a:buFont typeface="Courier New" panose="02070309020205020404" pitchFamily="49" charset="0"/>
-              <a:buChar char="o"/>
-            </a:pPr>
-            <a:endParaRPr lang="en-US" dirty="0"/>
           </a:p>
         </p:txBody>
       </p:sp>
@@ -13223,7 +13206,7 @@
         <p:spPr>
           <a:xfrm>
             <a:off x="5838100" y="1888958"/>
-            <a:ext cx="3489158" cy="1200329"/>
+            <a:ext cx="3489158" cy="1477328"/>
           </a:xfrm>
           <a:prstGeom prst="rect">
             <a:avLst/>
@@ -13242,8 +13225,15 @@
             </a:pPr>
             <a:r>
               <a:rPr lang="en-US" dirty="0"/>
-              <a:t>THIS TYPE OF DATA WORKS WELL WITH LINEARREGRESSION MODEL</a:t>
+              <a:t>LINEARREGRESSION MODEL DID NOT PERFORM AS WELL USING THIS MODEL</a:t>
             </a:r>
+          </a:p>
+          <a:p>
+            <a:pPr marL="285750" indent="-285750">
+              <a:buFont typeface="Courier New" panose="02070309020205020404" pitchFamily="49" charset="0"/>
+              <a:buChar char="o"/>
+            </a:pPr>
+            <a:endParaRPr lang="en-US" dirty="0"/>
           </a:p>
           <a:p>
             <a:pPr marL="285750" indent="-285750">
@@ -13299,7 +13289,7 @@
         <p:spPr>
           <a:xfrm>
             <a:off x="1141410" y="2097087"/>
-            <a:ext cx="9326063" cy="3196807"/>
+            <a:ext cx="10267325" cy="3196807"/>
           </a:xfrm>
           <a:prstGeom prst="rect">
             <a:avLst/>
@@ -13385,14 +13375,20 @@
         <p:spPr>
           <a:xfrm>
             <a:off x="1141412" y="1984793"/>
-            <a:ext cx="9905999" cy="3541714"/>
+            <a:ext cx="10267323" cy="3541714"/>
           </a:xfrm>
         </p:spPr>
         <p:txBody>
           <a:bodyPr>
-            <a:normAutofit/>
+            <a:normAutofit lnSpcReduction="10000"/>
           </a:bodyPr>
           <a:lstStyle/>
+          <a:p>
+            <a:r>
+              <a:rPr lang="en-US" dirty="0"/>
+              <a:t>- AFTER RUNNING BOTH MODELS GET.DUMMIES PRODUCED BETTER RESULTS AND SEEMS TO WORK BEST WITH THIS DATASET</a:t>
+            </a:r>
+          </a:p>
           <a:p>
             <a:r>
               <a:rPr lang="en-US" dirty="0"/>
@@ -15627,7 +15623,7 @@
         </p:nvSpPr>
         <p:spPr>
           <a:xfrm>
-            <a:off x="1532632" y="5914549"/>
+            <a:off x="1532632" y="5914548"/>
             <a:ext cx="6696967" cy="646331"/>
           </a:xfrm>
           <a:prstGeom prst="rect">
